--- a/labs/lab1/实验一.pptx
+++ b/labs/lab1/实验一.pptx
@@ -539,7 +539,7 @@
           <a:p>
             <a:fld id="{1DD7A33D-C393-4B92-9CC7-BFD4D30BD415}" type="slidenum">
               <a:rPr lang="zh-CN" altLang="en-US" smtClean="0"/>
-              <a:t>3</a:t>
+              <a:t>1</a:t>
             </a:fld>
             <a:endParaRPr lang="zh-CN" altLang="en-US"/>
           </a:p>
@@ -548,7 +548,7 @@
     </p:spTree>
     <p:extLst>
       <p:ext uri="{BB962C8B-B14F-4D97-AF65-F5344CB8AC3E}">
-        <p14:creationId xmlns:p14="http://schemas.microsoft.com/office/powerpoint/2010/main" val="316023069"/>
+        <p14:creationId xmlns:p14="http://schemas.microsoft.com/office/powerpoint/2010/main" val="1883665414"/>
       </p:ext>
     </p:extLst>
   </p:cSld>
@@ -602,10 +602,7 @@
           <a:bodyPr/>
           <a:lstStyle/>
           <a:p>
-            <a:r>
-              <a:rPr lang="zh-CN" altLang="en-US" dirty="0"/>
-              <a:t>为抑制舍入误差的传播和防止“大数吃小数”现象，在消元过程中希望主元的绝对值最大。</a:t>
-            </a:r>
+            <a:endParaRPr lang="zh-CN" altLang="en-US" dirty="0"/>
           </a:p>
         </p:txBody>
       </p:sp>
@@ -626,7 +623,7 @@
           <a:p>
             <a:fld id="{1DD7A33D-C393-4B92-9CC7-BFD4D30BD415}" type="slidenum">
               <a:rPr lang="zh-CN" altLang="en-US" smtClean="0"/>
-              <a:t>4</a:t>
+              <a:t>3</a:t>
             </a:fld>
             <a:endParaRPr lang="zh-CN" altLang="en-US"/>
           </a:p>
@@ -635,7 +632,7 @@
     </p:spTree>
     <p:extLst>
       <p:ext uri="{BB962C8B-B14F-4D97-AF65-F5344CB8AC3E}">
-        <p14:creationId xmlns:p14="http://schemas.microsoft.com/office/powerpoint/2010/main" val="2169040875"/>
+        <p14:creationId xmlns:p14="http://schemas.microsoft.com/office/powerpoint/2010/main" val="316023069"/>
       </p:ext>
     </p:extLst>
   </p:cSld>
@@ -689,7 +686,10 @@
           <a:bodyPr/>
           <a:lstStyle/>
           <a:p>
-            <a:endParaRPr lang="zh-CN" altLang="en-US" dirty="0"/>
+            <a:r>
+              <a:rPr lang="zh-CN" altLang="en-US" dirty="0"/>
+              <a:t>为抑制舍入误差的传播和防止“大数吃小数”现象，在消元过程中希望主元的绝对值最大。</a:t>
+            </a:r>
           </a:p>
         </p:txBody>
       </p:sp>
@@ -710,6 +710,90 @@
           <a:p>
             <a:fld id="{1DD7A33D-C393-4B92-9CC7-BFD4D30BD415}" type="slidenum">
               <a:rPr lang="zh-CN" altLang="en-US" smtClean="0"/>
+              <a:t>4</a:t>
+            </a:fld>
+            <a:endParaRPr lang="zh-CN" altLang="en-US"/>
+          </a:p>
+        </p:txBody>
+      </p:sp>
+    </p:spTree>
+    <p:extLst>
+      <p:ext uri="{BB962C8B-B14F-4D97-AF65-F5344CB8AC3E}">
+        <p14:creationId xmlns:p14="http://schemas.microsoft.com/office/powerpoint/2010/main" val="2169040875"/>
+      </p:ext>
+    </p:extLst>
+  </p:cSld>
+  <p:clrMapOvr>
+    <a:masterClrMapping/>
+  </p:clrMapOvr>
+</p:notes>
+</file>
+
+<file path=ppt/notesSlides/notesSlide4.xml><?xml version="1.0" encoding="utf-8"?>
+<p:notes xmlns:a="http://schemas.openxmlformats.org/drawingml/2006/main" xmlns:r="http://schemas.openxmlformats.org/officeDocument/2006/relationships" xmlns:p="http://schemas.openxmlformats.org/presentationml/2006/main">
+  <p:cSld>
+    <p:spTree>
+      <p:nvGrpSpPr>
+        <p:cNvPr id="1" name=""/>
+        <p:cNvGrpSpPr/>
+        <p:nvPr/>
+      </p:nvGrpSpPr>
+      <p:grpSpPr>
+        <a:xfrm>
+          <a:off x="0" y="0"/>
+          <a:ext cx="0" cy="0"/>
+          <a:chOff x="0" y="0"/>
+          <a:chExt cx="0" cy="0"/>
+        </a:xfrm>
+      </p:grpSpPr>
+      <p:sp>
+        <p:nvSpPr>
+          <p:cNvPr id="2" name="幻灯片图像占位符 1"/>
+          <p:cNvSpPr>
+            <a:spLocks noGrp="1" noRot="1" noChangeAspect="1"/>
+          </p:cNvSpPr>
+          <p:nvPr>
+            <p:ph type="sldImg"/>
+          </p:nvPr>
+        </p:nvSpPr>
+        <p:spPr/>
+      </p:sp>
+      <p:sp>
+        <p:nvSpPr>
+          <p:cNvPr id="3" name="备注占位符 2"/>
+          <p:cNvSpPr>
+            <a:spLocks noGrp="1"/>
+          </p:cNvSpPr>
+          <p:nvPr>
+            <p:ph type="body" idx="1"/>
+          </p:nvPr>
+        </p:nvSpPr>
+        <p:spPr/>
+        <p:txBody>
+          <a:bodyPr/>
+          <a:lstStyle/>
+          <a:p>
+            <a:endParaRPr lang="zh-CN" altLang="en-US" dirty="0"/>
+          </a:p>
+        </p:txBody>
+      </p:sp>
+      <p:sp>
+        <p:nvSpPr>
+          <p:cNvPr id="4" name="灯片编号占位符 3"/>
+          <p:cNvSpPr>
+            <a:spLocks noGrp="1"/>
+          </p:cNvSpPr>
+          <p:nvPr>
+            <p:ph type="sldNum" sz="quarter" idx="5"/>
+          </p:nvPr>
+        </p:nvSpPr>
+        <p:spPr/>
+        <p:txBody>
+          <a:bodyPr/>
+          <a:lstStyle/>
+          <a:p>
+            <a:fld id="{1DD7A33D-C393-4B92-9CC7-BFD4D30BD415}" type="slidenum">
+              <a:rPr lang="zh-CN" altLang="en-US" smtClean="0"/>
               <a:t>5</a:t>
             </a:fld>
             <a:endParaRPr lang="zh-CN" altLang="en-US"/>
@@ -729,7 +813,7 @@
 </p:notes>
 </file>
 
-<file path=ppt/notesSlides/notesSlide4.xml><?xml version="1.0" encoding="utf-8"?>
+<file path=ppt/notesSlides/notesSlide5.xml><?xml version="1.0" encoding="utf-8"?>
 <p:notes xmlns:a="http://schemas.openxmlformats.org/drawingml/2006/main" xmlns:r="http://schemas.openxmlformats.org/officeDocument/2006/relationships" xmlns:p="http://schemas.openxmlformats.org/presentationml/2006/main">
   <p:cSld>
     <p:spTree>
@@ -7490,7 +7574,15 @@
           <a:p>
             <a:r>
               <a:rPr lang="zh-CN" altLang="en-US" dirty="0"/>
-              <a:t>只需提交实验报告，提交至云班课</a:t>
+              <a:t>实验报告</a:t>
+            </a:r>
+            <a:r>
+              <a:rPr lang="en-US" altLang="zh-CN" dirty="0"/>
+              <a:t>+</a:t>
+            </a:r>
+            <a:r>
+              <a:rPr lang="zh-CN" altLang="en-US" dirty="0"/>
+              <a:t>源程序（代码），提交至云班课</a:t>
             </a:r>
             <a:endParaRPr lang="en-US" altLang="zh-CN" dirty="0"/>
           </a:p>
@@ -7560,7 +7652,7 @@
               <a:t>+1.doc</a:t>
             </a:r>
             <a:r>
-              <a:rPr lang="zh-CN" altLang="en-US">
+              <a:rPr lang="zh-CN" altLang="en-US" dirty="0">
                 <a:solidFill>
                   <a:srgbClr val="FF0000"/>
                 </a:solidFill>
